--- a/Projet.pptx
+++ b/Projet.pptx
@@ -117,6 +117,11 @@
       </a:defRPr>
     </a:lvl9pPr>
   </p:defaultTextStyle>
+  <p:extLst>
+    <p:ext uri="{EFAFB233-063F-42B5-8137-9DF3F51BA10A}">
+      <p15:sldGuideLst xmlns:p15="http://schemas.microsoft.com/office/powerpoint/2012/main"/>
+    </p:ext>
+  </p:extLst>
 </p:presentation>
 </file>
 
@@ -1148,20 +1153,20 @@
     </dgm:pt>
   </dgm:ptLst>
   <dgm:cxnLst>
+    <dgm:cxn modelId="{5B36F309-5085-4F97-A97C-815BC125FB69}" type="presOf" srcId="{76664237-C5C0-4D8E-8868-6343944BBEFF}" destId="{4BBC0915-D55B-4D45-86B6-56FDAFF00B1C}" srcOrd="0" destOrd="0" presId="urn:microsoft.com/office/officeart/2008/layout/NameandTitleOrganizationalChart"/>
     <dgm:cxn modelId="{823679A3-2C6C-4F41-8053-51772D789FB9}" type="presOf" srcId="{BCBD4A51-E33B-4927-BCEA-661EA235745E}" destId="{64DABC21-7358-4AEA-A0BA-9443CA14C05A}" srcOrd="0" destOrd="0" presId="urn:microsoft.com/office/officeart/2008/layout/NameandTitleOrganizationalChart"/>
-    <dgm:cxn modelId="{89523C6C-AF70-4199-A9CB-3593ADA743E4}" type="presOf" srcId="{9AD8887F-F918-4DAD-97D9-3E1F65458BCA}" destId="{7D919267-E29C-47D1-8C04-E6D55F041489}" srcOrd="0" destOrd="0" presId="urn:microsoft.com/office/officeart/2008/layout/NameandTitleOrganizationalChart"/>
+    <dgm:cxn modelId="{F062612D-7571-4098-A2BB-2B2D6B887A1A}" type="presOf" srcId="{0FE7F796-D002-4336-9A1C-2F2FD5EB6B0E}" destId="{25555520-C1DE-4C6F-882C-988D68775111}" srcOrd="0" destOrd="0" presId="urn:microsoft.com/office/officeart/2008/layout/NameandTitleOrganizationalChart"/>
+    <dgm:cxn modelId="{E11FDFC3-4CFB-479A-A9C5-442B8FB3B4EC}" type="presOf" srcId="{CA6FB71E-B1B1-486F-B67E-E56A90942145}" destId="{39B84936-FCBE-45C1-AC3C-24D87A39BF7F}" srcOrd="1" destOrd="0" presId="urn:microsoft.com/office/officeart/2008/layout/NameandTitleOrganizationalChart"/>
     <dgm:cxn modelId="{80E99847-1D32-4F0F-9542-10207F0B2958}" srcId="{CA6FB71E-B1B1-486F-B67E-E56A90942145}" destId="{B2E933E9-8C76-45C9-9F71-5823C5D4DC6D}" srcOrd="1" destOrd="0" parTransId="{0FE7F796-D002-4336-9A1C-2F2FD5EB6B0E}" sibTransId="{76664237-C5C0-4D8E-8868-6343944BBEFF}"/>
+    <dgm:cxn modelId="{C4E53732-CDDD-4A8E-BBE4-D0479463B0DE}" srcId="{CA6FB71E-B1B1-486F-B67E-E56A90942145}" destId="{3AACB179-E717-4EE7-BA44-E267818B61D3}" srcOrd="0" destOrd="0" parTransId="{9AD8887F-F918-4DAD-97D9-3E1F65458BCA}" sibTransId="{3A09B377-FCFA-455E-A46C-6DD52839B16B}"/>
+    <dgm:cxn modelId="{73117F0D-967A-400D-AD44-44212BC19233}" type="presOf" srcId="{CA6FB71E-B1B1-486F-B67E-E56A90942145}" destId="{3DE34296-5DE2-4AD5-99D1-FBDF92BCA6C1}" srcOrd="0" destOrd="0" presId="urn:microsoft.com/office/officeart/2008/layout/NameandTitleOrganizationalChart"/>
+    <dgm:cxn modelId="{F34BDD5C-C6D1-413F-AA15-F954DF2F540A}" type="presOf" srcId="{B2E933E9-8C76-45C9-9F71-5823C5D4DC6D}" destId="{86DED624-DBBB-4DA4-A612-E685B737E932}" srcOrd="0" destOrd="0" presId="urn:microsoft.com/office/officeart/2008/layout/NameandTitleOrganizationalChart"/>
+    <dgm:cxn modelId="{31816D51-8885-4EB6-B5CF-BE6F082C113D}" type="presOf" srcId="{3AACB179-E717-4EE7-BA44-E267818B61D3}" destId="{DCFD375F-F383-4D67-9EAE-8920AAB22AC4}" srcOrd="0" destOrd="0" presId="urn:microsoft.com/office/officeart/2008/layout/NameandTitleOrganizationalChart"/>
     <dgm:cxn modelId="{59D2F1D5-DBDE-4607-A468-8525898DB8C2}" type="presOf" srcId="{B2E933E9-8C76-45C9-9F71-5823C5D4DC6D}" destId="{B76CB6AB-43F6-4B1F-A67A-ADF765A20C47}" srcOrd="1" destOrd="0" presId="urn:microsoft.com/office/officeart/2008/layout/NameandTitleOrganizationalChart"/>
     <dgm:cxn modelId="{47D1F3FE-A349-48CC-8B7C-E6AA213437F3}" type="presOf" srcId="{3A09B377-FCFA-455E-A46C-6DD52839B16B}" destId="{A4193F86-9FA9-4F43-8F1E-E3B7DD37924D}" srcOrd="0" destOrd="0" presId="urn:microsoft.com/office/officeart/2008/layout/NameandTitleOrganizationalChart"/>
-    <dgm:cxn modelId="{F062612D-7571-4098-A2BB-2B2D6B887A1A}" type="presOf" srcId="{0FE7F796-D002-4336-9A1C-2F2FD5EB6B0E}" destId="{25555520-C1DE-4C6F-882C-988D68775111}" srcOrd="0" destOrd="0" presId="urn:microsoft.com/office/officeart/2008/layout/NameandTitleOrganizationalChart"/>
+    <dgm:cxn modelId="{89523C6C-AF70-4199-A9CB-3593ADA743E4}" type="presOf" srcId="{9AD8887F-F918-4DAD-97D9-3E1F65458BCA}" destId="{7D919267-E29C-47D1-8C04-E6D55F041489}" srcOrd="0" destOrd="0" presId="urn:microsoft.com/office/officeart/2008/layout/NameandTitleOrganizationalChart"/>
     <dgm:cxn modelId="{E09EF4E2-9622-46CD-99FC-CEE6694EE3A1}" type="presOf" srcId="{3AACB179-E717-4EE7-BA44-E267818B61D3}" destId="{2C30983C-43E3-4598-9542-70C845DDCCD2}" srcOrd="1" destOrd="0" presId="urn:microsoft.com/office/officeart/2008/layout/NameandTitleOrganizationalChart"/>
-    <dgm:cxn modelId="{31816D51-8885-4EB6-B5CF-BE6F082C113D}" type="presOf" srcId="{3AACB179-E717-4EE7-BA44-E267818B61D3}" destId="{DCFD375F-F383-4D67-9EAE-8920AAB22AC4}" srcOrd="0" destOrd="0" presId="urn:microsoft.com/office/officeart/2008/layout/NameandTitleOrganizationalChart"/>
-    <dgm:cxn modelId="{73117F0D-967A-400D-AD44-44212BC19233}" type="presOf" srcId="{CA6FB71E-B1B1-486F-B67E-E56A90942145}" destId="{3DE34296-5DE2-4AD5-99D1-FBDF92BCA6C1}" srcOrd="0" destOrd="0" presId="urn:microsoft.com/office/officeart/2008/layout/NameandTitleOrganizationalChart"/>
     <dgm:cxn modelId="{43D3DF06-6E98-407A-8531-188BE2DFF292}" type="presOf" srcId="{B6410C9C-70EC-43CD-A9F4-C47ADADFCBE0}" destId="{9DDD8E4F-F947-4FFA-811C-75275EEB726F}" srcOrd="0" destOrd="0" presId="urn:microsoft.com/office/officeart/2008/layout/NameandTitleOrganizationalChart"/>
-    <dgm:cxn modelId="{C4E53732-CDDD-4A8E-BBE4-D0479463B0DE}" srcId="{CA6FB71E-B1B1-486F-B67E-E56A90942145}" destId="{3AACB179-E717-4EE7-BA44-E267818B61D3}" srcOrd="0" destOrd="0" parTransId="{9AD8887F-F918-4DAD-97D9-3E1F65458BCA}" sibTransId="{3A09B377-FCFA-455E-A46C-6DD52839B16B}"/>
-    <dgm:cxn modelId="{F34BDD5C-C6D1-413F-AA15-F954DF2F540A}" type="presOf" srcId="{B2E933E9-8C76-45C9-9F71-5823C5D4DC6D}" destId="{86DED624-DBBB-4DA4-A612-E685B737E932}" srcOrd="0" destOrd="0" presId="urn:microsoft.com/office/officeart/2008/layout/NameandTitleOrganizationalChart"/>
-    <dgm:cxn modelId="{E11FDFC3-4CFB-479A-A9C5-442B8FB3B4EC}" type="presOf" srcId="{CA6FB71E-B1B1-486F-B67E-E56A90942145}" destId="{39B84936-FCBE-45C1-AC3C-24D87A39BF7F}" srcOrd="1" destOrd="0" presId="urn:microsoft.com/office/officeart/2008/layout/NameandTitleOrganizationalChart"/>
-    <dgm:cxn modelId="{5B36F309-5085-4F97-A97C-815BC125FB69}" type="presOf" srcId="{76664237-C5C0-4D8E-8868-6343944BBEFF}" destId="{4BBC0915-D55B-4D45-86B6-56FDAFF00B1C}" srcOrd="0" destOrd="0" presId="urn:microsoft.com/office/officeart/2008/layout/NameandTitleOrganizationalChart"/>
     <dgm:cxn modelId="{DD29B16B-21A1-4B9F-90B4-697290E047A2}" srcId="{B6410C9C-70EC-43CD-A9F4-C47ADADFCBE0}" destId="{CA6FB71E-B1B1-486F-B67E-E56A90942145}" srcOrd="0" destOrd="0" parTransId="{2A194E94-4E56-4612-A5AF-B58B768DF038}" sibTransId="{BCBD4A51-E33B-4927-BCEA-661EA235745E}"/>
     <dgm:cxn modelId="{5E821ED9-3EEA-4393-9347-FBB3B4D1176C}" type="presParOf" srcId="{9DDD8E4F-F947-4FFA-811C-75275EEB726F}" destId="{38CDA843-6C3F-4A78-9C6C-B8533C4FA6DE}" srcOrd="0" destOrd="0" presId="urn:microsoft.com/office/officeart/2008/layout/NameandTitleOrganizationalChart"/>
     <dgm:cxn modelId="{4AE61C18-23B6-43E3-9C07-B8A28C2B382A}" type="presParOf" srcId="{38CDA843-6C3F-4A78-9C6C-B8533C4FA6DE}" destId="{36D8F5CB-DFAC-4751-99F3-1E282F9405E2}" srcOrd="0" destOrd="0" presId="urn:microsoft.com/office/officeart/2008/layout/NameandTitleOrganizationalChart"/>
@@ -4088,7 +4093,7 @@
           <a:p>
             <a:fld id="{91D8C0BB-621E-4467-9840-7B82EC6DDAB7}" type="datetimeFigureOut">
               <a:rPr lang="fr-FR" smtClean="0"/>
-              <a:t>23/06/2016</a:t>
+              <a:t>24/06/2016</a:t>
             </a:fld>
             <a:endParaRPr lang="fr-FR"/>
           </a:p>
@@ -4183,7 +4188,6 @@
               <a:rPr lang="fr-FR"/>
               <a:t>Cinquième niveau</a:t>
             </a:r>
-            <a:endParaRPr lang="fr-FR"/>
           </a:p>
         </p:txBody>
       </p:sp>
@@ -4858,7 +4862,7 @@
           <a:p>
             <a:fld id="{F5F8FA05-A0FA-4E89-B602-DA7F28C7B200}" type="datetime1">
               <a:rPr lang="en-US" smtClean="0"/>
-              <a:t>6/23/2016</a:t>
+              <a:t>6/24/2016</a:t>
             </a:fld>
             <a:endParaRPr lang="en-US" dirty="0"/>
           </a:p>
@@ -5163,7 +5167,7 @@
           <a:p>
             <a:fld id="{EBD1048A-5850-4865-B890-21770CDD887C}" type="datetime1">
               <a:rPr lang="en-US" smtClean="0"/>
-              <a:t>6/23/2016</a:t>
+              <a:t>6/24/2016</a:t>
             </a:fld>
             <a:endParaRPr lang="en-US" dirty="0"/>
           </a:p>
@@ -5411,7 +5415,7 @@
           <a:p>
             <a:fld id="{78561DA4-58E4-4D43-B2F6-D49F2A7474C8}" type="datetime1">
               <a:rPr lang="en-US" smtClean="0"/>
-              <a:t>6/23/2016</a:t>
+              <a:t>6/24/2016</a:t>
             </a:fld>
             <a:endParaRPr lang="en-US" dirty="0"/>
           </a:p>
@@ -5951,7 +5955,7 @@
           <a:p>
             <a:fld id="{D569F688-F0C5-4D13-9651-60E732F325D9}" type="datetime1">
               <a:rPr lang="en-US" smtClean="0"/>
-              <a:t>6/23/2016</a:t>
+              <a:t>6/24/2016</a:t>
             </a:fld>
             <a:endParaRPr lang="en-US" dirty="0"/>
           </a:p>
@@ -6199,7 +6203,7 @@
           <a:p>
             <a:fld id="{D84331EA-7B63-47F6-9E45-6E0894470E10}" type="datetime1">
               <a:rPr lang="en-US" smtClean="0"/>
-              <a:t>6/23/2016</a:t>
+              <a:t>6/24/2016</a:t>
             </a:fld>
             <a:endParaRPr lang="en-US" dirty="0"/>
           </a:p>
@@ -6731,7 +6735,7 @@
           <a:p>
             <a:fld id="{26B1BBAB-B117-4585-B9C4-65BD1245941E}" type="datetime1">
               <a:rPr lang="en-US" smtClean="0"/>
-              <a:t>6/23/2016</a:t>
+              <a:t>6/24/2016</a:t>
             </a:fld>
             <a:endParaRPr lang="en-US" dirty="0"/>
           </a:p>
@@ -7028,7 +7032,7 @@
           <a:p>
             <a:fld id="{A056AC1F-44D2-4891-858E-BE48216CF882}" type="datetime1">
               <a:rPr lang="en-US" smtClean="0"/>
-              <a:t>6/23/2016</a:t>
+              <a:t>6/24/2016</a:t>
             </a:fld>
             <a:endParaRPr lang="en-US" dirty="0"/>
           </a:p>
@@ -7202,7 +7206,7 @@
           <a:p>
             <a:fld id="{4532E45F-4165-4831-8FA0-B79CBBDC44B0}" type="datetime1">
               <a:rPr lang="en-US" smtClean="0"/>
-              <a:t>6/23/2016</a:t>
+              <a:t>6/24/2016</a:t>
             </a:fld>
             <a:endParaRPr lang="en-US" dirty="0"/>
           </a:p>
@@ -7382,7 +7386,7 @@
           <a:p>
             <a:fld id="{F20E6630-F2E0-4046-8914-A593898D52A1}" type="datetime1">
               <a:rPr lang="en-US" smtClean="0"/>
-              <a:t>6/23/2016</a:t>
+              <a:t>6/24/2016</a:t>
             </a:fld>
             <a:endParaRPr lang="en-US" dirty="0"/>
           </a:p>
@@ -7488,7 +7492,6 @@
               <a:rPr lang="fr-FR"/>
               <a:t>Modifiez le style du titre</a:t>
             </a:r>
-            <a:endParaRPr lang="fr-FR"/>
           </a:p>
         </p:txBody>
       </p:sp>
@@ -7553,7 +7556,6 @@
               <a:rPr lang="fr-FR"/>
               <a:t>Modifier le style des sous-titres du masque</a:t>
             </a:r>
-            <a:endParaRPr lang="fr-FR"/>
           </a:p>
         </p:txBody>
       </p:sp>
@@ -7574,7 +7576,7 @@
           <a:p>
             <a:fld id="{6627A084-C4EA-4823-ABF1-A9E6AC2FB4D2}" type="datetime1">
               <a:rPr lang="en-US" smtClean="0"/>
-              <a:t>6/23/2016</a:t>
+              <a:t>6/24/2016</a:t>
             </a:fld>
             <a:endParaRPr lang="fr-FR"/>
           </a:p>
@@ -7599,7 +7601,6 @@
               <a:rPr lang="fr-FR"/>
               <a:t>Kévin PERRY / Ugo BLANQUET / Guillaume BELLEVAL</a:t>
             </a:r>
-            <a:endParaRPr lang="fr-FR"/>
           </a:p>
         </p:txBody>
       </p:sp>
@@ -7675,7 +7676,6 @@
               <a:rPr lang="fr-FR"/>
               <a:t>Modifiez le style du titre</a:t>
             </a:r>
-            <a:endParaRPr lang="fr-FR"/>
           </a:p>
         </p:txBody>
       </p:sp>
@@ -7727,7 +7727,6 @@
               <a:rPr lang="fr-FR"/>
               <a:t>Cinquième niveau</a:t>
             </a:r>
-            <a:endParaRPr lang="fr-FR"/>
           </a:p>
         </p:txBody>
       </p:sp>
@@ -7748,7 +7747,7 @@
           <a:p>
             <a:fld id="{05AE4DF9-03D0-4A92-8EBD-E90CA8575685}" type="datetime1">
               <a:rPr lang="en-US" smtClean="0"/>
-              <a:t>6/23/2016</a:t>
+              <a:t>6/24/2016</a:t>
             </a:fld>
             <a:endParaRPr lang="fr-FR"/>
           </a:p>
@@ -7773,7 +7772,6 @@
               <a:rPr lang="fr-FR"/>
               <a:t>Kévin PERRY / Ugo BLANQUET / Guillaume BELLEVAL</a:t>
             </a:r>
-            <a:endParaRPr lang="fr-FR"/>
           </a:p>
         </p:txBody>
       </p:sp>
@@ -7922,7 +7920,7 @@
           <a:p>
             <a:fld id="{C2986BB7-3632-439D-83AD-A3EA91AE4128}" type="datetime1">
               <a:rPr lang="en-US" smtClean="0"/>
-              <a:t>6/23/2016</a:t>
+              <a:t>6/24/2016</a:t>
             </a:fld>
             <a:endParaRPr lang="en-US" dirty="0"/>
           </a:p>
@@ -8035,7 +8033,6 @@
               <a:rPr lang="fr-FR"/>
               <a:t>Modifiez le style du titre</a:t>
             </a:r>
-            <a:endParaRPr lang="fr-FR"/>
           </a:p>
         </p:txBody>
       </p:sp>
@@ -8175,7 +8172,7 @@
           <a:p>
             <a:fld id="{FD7698F9-6EB7-4C5D-9C3E-C6B60C25CE7A}" type="datetime1">
               <a:rPr lang="en-US" smtClean="0"/>
-              <a:t>6/23/2016</a:t>
+              <a:t>6/24/2016</a:t>
             </a:fld>
             <a:endParaRPr lang="fr-FR"/>
           </a:p>
@@ -8200,7 +8197,6 @@
               <a:rPr lang="fr-FR"/>
               <a:t>Kévin PERRY / Ugo BLANQUET / Guillaume BELLEVAL</a:t>
             </a:r>
-            <a:endParaRPr lang="fr-FR"/>
           </a:p>
         </p:txBody>
       </p:sp>
@@ -8276,7 +8272,6 @@
               <a:rPr lang="fr-FR"/>
               <a:t>Modifiez le style du titre</a:t>
             </a:r>
-            <a:endParaRPr lang="fr-FR"/>
           </a:p>
         </p:txBody>
       </p:sp>
@@ -8333,7 +8328,6 @@
               <a:rPr lang="fr-FR"/>
               <a:t>Cinquième niveau</a:t>
             </a:r>
-            <a:endParaRPr lang="fr-FR"/>
           </a:p>
         </p:txBody>
       </p:sp>
@@ -8390,7 +8384,6 @@
               <a:rPr lang="fr-FR"/>
               <a:t>Cinquième niveau</a:t>
             </a:r>
-            <a:endParaRPr lang="fr-FR"/>
           </a:p>
         </p:txBody>
       </p:sp>
@@ -8411,7 +8404,7 @@
           <a:p>
             <a:fld id="{F344E751-82EE-4C5D-BB25-295FA463ABDC}" type="datetime1">
               <a:rPr lang="en-US" smtClean="0"/>
-              <a:t>6/23/2016</a:t>
+              <a:t>6/24/2016</a:t>
             </a:fld>
             <a:endParaRPr lang="fr-FR"/>
           </a:p>
@@ -8436,7 +8429,6 @@
               <a:rPr lang="fr-FR"/>
               <a:t>Kévin PERRY / Ugo BLANQUET / Guillaume BELLEVAL</a:t>
             </a:r>
-            <a:endParaRPr lang="fr-FR"/>
           </a:p>
         </p:txBody>
       </p:sp>
@@ -8517,7 +8509,6 @@
               <a:rPr lang="fr-FR"/>
               <a:t>Modifiez le style du titre</a:t>
             </a:r>
-            <a:endParaRPr lang="fr-FR"/>
           </a:p>
         </p:txBody>
       </p:sp>
@@ -8639,7 +8630,6 @@
               <a:rPr lang="fr-FR"/>
               <a:t>Cinquième niveau</a:t>
             </a:r>
-            <a:endParaRPr lang="fr-FR"/>
           </a:p>
         </p:txBody>
       </p:sp>
@@ -8761,7 +8751,6 @@
               <a:rPr lang="fr-FR"/>
               <a:t>Cinquième niveau</a:t>
             </a:r>
-            <a:endParaRPr lang="fr-FR"/>
           </a:p>
         </p:txBody>
       </p:sp>
@@ -8782,7 +8771,7 @@
           <a:p>
             <a:fld id="{F1B90855-7C89-4AAF-B66D-8686753A07A9}" type="datetime1">
               <a:rPr lang="en-US" smtClean="0"/>
-              <a:t>6/23/2016</a:t>
+              <a:t>6/24/2016</a:t>
             </a:fld>
             <a:endParaRPr lang="fr-FR"/>
           </a:p>
@@ -8807,7 +8796,6 @@
               <a:rPr lang="fr-FR"/>
               <a:t>Kévin PERRY / Ugo BLANQUET / Guillaume BELLEVAL</a:t>
             </a:r>
-            <a:endParaRPr lang="fr-FR"/>
           </a:p>
         </p:txBody>
       </p:sp>
@@ -8883,7 +8871,6 @@
               <a:rPr lang="fr-FR"/>
               <a:t>Modifiez le style du titre</a:t>
             </a:r>
-            <a:endParaRPr lang="fr-FR"/>
           </a:p>
         </p:txBody>
       </p:sp>
@@ -8904,7 +8891,7 @@
           <a:p>
             <a:fld id="{9AC1E57E-DFF3-4FF6-BE2B-500D776F6D16}" type="datetime1">
               <a:rPr lang="en-US" smtClean="0"/>
-              <a:t>6/23/2016</a:t>
+              <a:t>6/24/2016</a:t>
             </a:fld>
             <a:endParaRPr lang="fr-FR"/>
           </a:p>
@@ -8929,7 +8916,6 @@
               <a:rPr lang="fr-FR"/>
               <a:t>Kévin PERRY / Ugo BLANQUET / Guillaume BELLEVAL</a:t>
             </a:r>
-            <a:endParaRPr lang="fr-FR"/>
           </a:p>
         </p:txBody>
       </p:sp>
@@ -9003,7 +8989,7 @@
           <a:p>
             <a:fld id="{B3FF2C68-32CF-4AF0-80E1-889AB66F1688}" type="datetime1">
               <a:rPr lang="en-US" smtClean="0"/>
-              <a:t>6/23/2016</a:t>
+              <a:t>6/24/2016</a:t>
             </a:fld>
             <a:endParaRPr lang="fr-FR"/>
           </a:p>
@@ -9028,7 +9014,6 @@
               <a:rPr lang="fr-FR"/>
               <a:t>Kévin PERRY / Ugo BLANQUET / Guillaume BELLEVAL</a:t>
             </a:r>
-            <a:endParaRPr lang="fr-FR"/>
           </a:p>
         </p:txBody>
       </p:sp>
@@ -9113,7 +9098,6 @@
               <a:rPr lang="fr-FR"/>
               <a:t>Modifiez le style du titre</a:t>
             </a:r>
-            <a:endParaRPr lang="fr-FR"/>
           </a:p>
         </p:txBody>
       </p:sp>
@@ -9198,7 +9182,6 @@
               <a:rPr lang="fr-FR"/>
               <a:t>Cinquième niveau</a:t>
             </a:r>
-            <a:endParaRPr lang="fr-FR"/>
           </a:p>
         </p:txBody>
       </p:sp>
@@ -9284,7 +9267,7 @@
           <a:p>
             <a:fld id="{77E00FB8-1034-49B3-8C7C-E1EEAE858B4B}" type="datetime1">
               <a:rPr lang="en-US" smtClean="0"/>
-              <a:t>6/23/2016</a:t>
+              <a:t>6/24/2016</a:t>
             </a:fld>
             <a:endParaRPr lang="fr-FR"/>
           </a:p>
@@ -9309,7 +9292,6 @@
               <a:rPr lang="fr-FR"/>
               <a:t>Kévin PERRY / Ugo BLANQUET / Guillaume BELLEVAL</a:t>
             </a:r>
-            <a:endParaRPr lang="fr-FR"/>
           </a:p>
         </p:txBody>
       </p:sp>
@@ -9394,7 +9376,6 @@
               <a:rPr lang="fr-FR"/>
               <a:t>Modifiez le style du titre</a:t>
             </a:r>
-            <a:endParaRPr lang="fr-FR"/>
           </a:p>
         </p:txBody>
       </p:sp>
@@ -9541,7 +9522,7 @@
           <a:p>
             <a:fld id="{F8955228-0A8E-49F4-B75F-042D94D2C200}" type="datetime1">
               <a:rPr lang="en-US" smtClean="0"/>
-              <a:t>6/23/2016</a:t>
+              <a:t>6/24/2016</a:t>
             </a:fld>
             <a:endParaRPr lang="fr-FR"/>
           </a:p>
@@ -9566,7 +9547,6 @@
               <a:rPr lang="fr-FR"/>
               <a:t>Kévin PERRY / Ugo BLANQUET / Guillaume BELLEVAL</a:t>
             </a:r>
-            <a:endParaRPr lang="fr-FR"/>
           </a:p>
         </p:txBody>
       </p:sp>
@@ -9642,7 +9622,6 @@
               <a:rPr lang="fr-FR"/>
               <a:t>Modifiez le style du titre</a:t>
             </a:r>
-            <a:endParaRPr lang="fr-FR"/>
           </a:p>
         </p:txBody>
       </p:sp>
@@ -9694,7 +9673,6 @@
               <a:rPr lang="fr-FR"/>
               <a:t>Cinquième niveau</a:t>
             </a:r>
-            <a:endParaRPr lang="fr-FR"/>
           </a:p>
         </p:txBody>
       </p:sp>
@@ -9715,7 +9693,7 @@
           <a:p>
             <a:fld id="{2376AC3F-EE55-495C-B006-08805DB5AC60}" type="datetime1">
               <a:rPr lang="en-US" smtClean="0"/>
-              <a:t>6/23/2016</a:t>
+              <a:t>6/24/2016</a:t>
             </a:fld>
             <a:endParaRPr lang="fr-FR"/>
           </a:p>
@@ -9740,7 +9718,6 @@
               <a:rPr lang="fr-FR"/>
               <a:t>Kévin PERRY / Ugo BLANQUET / Guillaume BELLEVAL</a:t>
             </a:r>
-            <a:endParaRPr lang="fr-FR"/>
           </a:p>
         </p:txBody>
       </p:sp>
@@ -9821,7 +9798,6 @@
               <a:rPr lang="fr-FR"/>
               <a:t>Modifiez le style du titre</a:t>
             </a:r>
-            <a:endParaRPr lang="fr-FR"/>
           </a:p>
         </p:txBody>
       </p:sp>
@@ -9878,7 +9854,6 @@
               <a:rPr lang="fr-FR"/>
               <a:t>Cinquième niveau</a:t>
             </a:r>
-            <a:endParaRPr lang="fr-FR"/>
           </a:p>
         </p:txBody>
       </p:sp>
@@ -9899,7 +9874,7 @@
           <a:p>
             <a:fld id="{3478731E-D33E-4349-B4AF-E8D671EA7E03}" type="datetime1">
               <a:rPr lang="en-US" smtClean="0"/>
-              <a:t>6/23/2016</a:t>
+              <a:t>6/24/2016</a:t>
             </a:fld>
             <a:endParaRPr lang="fr-FR"/>
           </a:p>
@@ -9924,7 +9899,6 @@
               <a:rPr lang="fr-FR"/>
               <a:t>Kévin PERRY / Ugo BLANQUET / Guillaume BELLEVAL</a:t>
             </a:r>
-            <a:endParaRPr lang="fr-FR"/>
           </a:p>
         </p:txBody>
       </p:sp>
@@ -10009,7 +9983,6 @@
               <a:rPr lang="fr-FR"/>
               <a:t>Modifiez le style du titre</a:t>
             </a:r>
-            <a:endParaRPr lang="fr-FR"/>
           </a:p>
         </p:txBody>
       </p:sp>
@@ -10074,7 +10047,6 @@
               <a:rPr lang="fr-FR"/>
               <a:t>Modifier le style des sous-titres du masque</a:t>
             </a:r>
-            <a:endParaRPr lang="fr-FR"/>
           </a:p>
         </p:txBody>
       </p:sp>
@@ -10095,7 +10067,7 @@
           <a:p>
             <a:fld id="{363BA640-3DFC-4981-B42B-7475DB620FCA}" type="datetime1">
               <a:rPr lang="en-US" smtClean="0"/>
-              <a:t>6/23/2016</a:t>
+              <a:t>6/24/2016</a:t>
             </a:fld>
             <a:endParaRPr lang="fr-FR"/>
           </a:p>
@@ -10120,7 +10092,6 @@
               <a:rPr lang="fr-FR"/>
               <a:t>Kévin PERRY / Ugo BLANQUET / Guillaume BELLEVAL</a:t>
             </a:r>
-            <a:endParaRPr lang="fr-FR"/>
           </a:p>
         </p:txBody>
       </p:sp>
@@ -10345,7 +10316,7 @@
           <a:p>
             <a:fld id="{D5981149-9963-4504-A2E3-DE12C9D4EA5C}" type="datetime1">
               <a:rPr lang="en-US" smtClean="0"/>
-              <a:t>6/23/2016</a:t>
+              <a:t>6/24/2016</a:t>
             </a:fld>
             <a:endParaRPr lang="en-US" dirty="0"/>
           </a:p>
@@ -10442,7 +10413,6 @@
               <a:rPr lang="fr-FR"/>
               <a:t>Modifiez le style du titre</a:t>
             </a:r>
-            <a:endParaRPr lang="fr-FR"/>
           </a:p>
         </p:txBody>
       </p:sp>
@@ -10494,7 +10464,6 @@
               <a:rPr lang="fr-FR"/>
               <a:t>Cinquième niveau</a:t>
             </a:r>
-            <a:endParaRPr lang="fr-FR"/>
           </a:p>
         </p:txBody>
       </p:sp>
@@ -10515,7 +10484,7 @@
           <a:p>
             <a:fld id="{F26DF13B-198F-422C-A79F-63FF2DE12534}" type="datetime1">
               <a:rPr lang="en-US" smtClean="0"/>
-              <a:t>6/23/2016</a:t>
+              <a:t>6/24/2016</a:t>
             </a:fld>
             <a:endParaRPr lang="fr-FR"/>
           </a:p>
@@ -10540,7 +10509,6 @@
               <a:rPr lang="fr-FR"/>
               <a:t>Kévin PERRY / Ugo BLANQUET / Guillaume BELLEVAL</a:t>
             </a:r>
-            <a:endParaRPr lang="fr-FR"/>
           </a:p>
         </p:txBody>
       </p:sp>
@@ -10625,7 +10593,6 @@
               <a:rPr lang="fr-FR"/>
               <a:t>Modifiez le style du titre</a:t>
             </a:r>
-            <a:endParaRPr lang="fr-FR"/>
           </a:p>
         </p:txBody>
       </p:sp>
@@ -10765,7 +10732,7 @@
           <a:p>
             <a:fld id="{A74C17E3-12CA-442E-A47D-D5EE06B06F9B}" type="datetime1">
               <a:rPr lang="en-US" smtClean="0"/>
-              <a:t>6/23/2016</a:t>
+              <a:t>6/24/2016</a:t>
             </a:fld>
             <a:endParaRPr lang="fr-FR"/>
           </a:p>
@@ -10790,7 +10757,6 @@
               <a:rPr lang="fr-FR"/>
               <a:t>Kévin PERRY / Ugo BLANQUET / Guillaume BELLEVAL</a:t>
             </a:r>
-            <a:endParaRPr lang="fr-FR"/>
           </a:p>
         </p:txBody>
       </p:sp>
@@ -10866,7 +10832,6 @@
               <a:rPr lang="fr-FR"/>
               <a:t>Modifiez le style du titre</a:t>
             </a:r>
-            <a:endParaRPr lang="fr-FR"/>
           </a:p>
         </p:txBody>
       </p:sp>
@@ -10923,7 +10888,6 @@
               <a:rPr lang="fr-FR"/>
               <a:t>Cinquième niveau</a:t>
             </a:r>
-            <a:endParaRPr lang="fr-FR"/>
           </a:p>
         </p:txBody>
       </p:sp>
@@ -10980,7 +10944,6 @@
               <a:rPr lang="fr-FR"/>
               <a:t>Cinquième niveau</a:t>
             </a:r>
-            <a:endParaRPr lang="fr-FR"/>
           </a:p>
         </p:txBody>
       </p:sp>
@@ -11001,7 +10964,7 @@
           <a:p>
             <a:fld id="{42F0EEAB-F00F-427D-BC31-CB175554FAF0}" type="datetime1">
               <a:rPr lang="en-US" smtClean="0"/>
-              <a:t>6/23/2016</a:t>
+              <a:t>6/24/2016</a:t>
             </a:fld>
             <a:endParaRPr lang="fr-FR"/>
           </a:p>
@@ -11026,7 +10989,6 @@
               <a:rPr lang="fr-FR"/>
               <a:t>Kévin PERRY / Ugo BLANQUET / Guillaume BELLEVAL</a:t>
             </a:r>
-            <a:endParaRPr lang="fr-FR"/>
           </a:p>
         </p:txBody>
       </p:sp>
@@ -11107,7 +11069,6 @@
               <a:rPr lang="fr-FR"/>
               <a:t>Modifiez le style du titre</a:t>
             </a:r>
-            <a:endParaRPr lang="fr-FR"/>
           </a:p>
         </p:txBody>
       </p:sp>
@@ -11229,7 +11190,6 @@
               <a:rPr lang="fr-FR"/>
               <a:t>Cinquième niveau</a:t>
             </a:r>
-            <a:endParaRPr lang="fr-FR"/>
           </a:p>
         </p:txBody>
       </p:sp>
@@ -11351,7 +11311,6 @@
               <a:rPr lang="fr-FR"/>
               <a:t>Cinquième niveau</a:t>
             </a:r>
-            <a:endParaRPr lang="fr-FR"/>
           </a:p>
         </p:txBody>
       </p:sp>
@@ -11372,7 +11331,7 @@
           <a:p>
             <a:fld id="{83D46B5E-0E98-43F9-9BF4-107AAFEE9F9B}" type="datetime1">
               <a:rPr lang="en-US" smtClean="0"/>
-              <a:t>6/23/2016</a:t>
+              <a:t>6/24/2016</a:t>
             </a:fld>
             <a:endParaRPr lang="fr-FR"/>
           </a:p>
@@ -11397,7 +11356,6 @@
               <a:rPr lang="fr-FR"/>
               <a:t>Kévin PERRY / Ugo BLANQUET / Guillaume BELLEVAL</a:t>
             </a:r>
-            <a:endParaRPr lang="fr-FR"/>
           </a:p>
         </p:txBody>
       </p:sp>
@@ -11473,7 +11431,6 @@
               <a:rPr lang="fr-FR"/>
               <a:t>Modifiez le style du titre</a:t>
             </a:r>
-            <a:endParaRPr lang="fr-FR"/>
           </a:p>
         </p:txBody>
       </p:sp>
@@ -11494,7 +11451,7 @@
           <a:p>
             <a:fld id="{20FB3886-E7CE-42F9-9BDD-5C29DF9D25FA}" type="datetime1">
               <a:rPr lang="en-US" smtClean="0"/>
-              <a:t>6/23/2016</a:t>
+              <a:t>6/24/2016</a:t>
             </a:fld>
             <a:endParaRPr lang="fr-FR"/>
           </a:p>
@@ -11519,7 +11476,6 @@
               <a:rPr lang="fr-FR"/>
               <a:t>Kévin PERRY / Ugo BLANQUET / Guillaume BELLEVAL</a:t>
             </a:r>
-            <a:endParaRPr lang="fr-FR"/>
           </a:p>
         </p:txBody>
       </p:sp>
@@ -11593,7 +11549,7 @@
           <a:p>
             <a:fld id="{8FBA1AF3-5778-4341-A6D8-89092998FD7A}" type="datetime1">
               <a:rPr lang="en-US" smtClean="0"/>
-              <a:t>6/23/2016</a:t>
+              <a:t>6/24/2016</a:t>
             </a:fld>
             <a:endParaRPr lang="fr-FR"/>
           </a:p>
@@ -11618,7 +11574,6 @@
               <a:rPr lang="fr-FR"/>
               <a:t>Kévin PERRY / Ugo BLANQUET / Guillaume BELLEVAL</a:t>
             </a:r>
-            <a:endParaRPr lang="fr-FR"/>
           </a:p>
         </p:txBody>
       </p:sp>
@@ -11703,7 +11658,6 @@
               <a:rPr lang="fr-FR"/>
               <a:t>Modifiez le style du titre</a:t>
             </a:r>
-            <a:endParaRPr lang="fr-FR"/>
           </a:p>
         </p:txBody>
       </p:sp>
@@ -11788,7 +11742,6 @@
               <a:rPr lang="fr-FR"/>
               <a:t>Cinquième niveau</a:t>
             </a:r>
-            <a:endParaRPr lang="fr-FR"/>
           </a:p>
         </p:txBody>
       </p:sp>
@@ -11874,7 +11827,7 @@
           <a:p>
             <a:fld id="{E287542F-A1EA-4659-9034-2244AA629B69}" type="datetime1">
               <a:rPr lang="en-US" smtClean="0"/>
-              <a:t>6/23/2016</a:t>
+              <a:t>6/24/2016</a:t>
             </a:fld>
             <a:endParaRPr lang="fr-FR"/>
           </a:p>
@@ -11899,7 +11852,6 @@
               <a:rPr lang="fr-FR"/>
               <a:t>Kévin PERRY / Ugo BLANQUET / Guillaume BELLEVAL</a:t>
             </a:r>
-            <a:endParaRPr lang="fr-FR"/>
           </a:p>
         </p:txBody>
       </p:sp>
@@ -11984,7 +11936,6 @@
               <a:rPr lang="fr-FR"/>
               <a:t>Modifiez le style du titre</a:t>
             </a:r>
-            <a:endParaRPr lang="fr-FR"/>
           </a:p>
         </p:txBody>
       </p:sp>
@@ -12131,7 +12082,7 @@
           <a:p>
             <a:fld id="{E037C998-FD77-4B8B-9B7A-1AF3B0EDC340}" type="datetime1">
               <a:rPr lang="en-US" smtClean="0"/>
-              <a:t>6/23/2016</a:t>
+              <a:t>6/24/2016</a:t>
             </a:fld>
             <a:endParaRPr lang="fr-FR"/>
           </a:p>
@@ -12156,7 +12107,6 @@
               <a:rPr lang="fr-FR"/>
               <a:t>Kévin PERRY / Ugo BLANQUET / Guillaume BELLEVAL</a:t>
             </a:r>
-            <a:endParaRPr lang="fr-FR"/>
           </a:p>
         </p:txBody>
       </p:sp>
@@ -12232,7 +12182,6 @@
               <a:rPr lang="fr-FR"/>
               <a:t>Modifiez le style du titre</a:t>
             </a:r>
-            <a:endParaRPr lang="fr-FR"/>
           </a:p>
         </p:txBody>
       </p:sp>
@@ -12284,7 +12233,6 @@
               <a:rPr lang="fr-FR"/>
               <a:t>Cinquième niveau</a:t>
             </a:r>
-            <a:endParaRPr lang="fr-FR"/>
           </a:p>
         </p:txBody>
       </p:sp>
@@ -12305,7 +12253,7 @@
           <a:p>
             <a:fld id="{1B5A32E6-61B8-439D-A113-493AF67A8B80}" type="datetime1">
               <a:rPr lang="en-US" smtClean="0"/>
-              <a:t>6/23/2016</a:t>
+              <a:t>6/24/2016</a:t>
             </a:fld>
             <a:endParaRPr lang="fr-FR"/>
           </a:p>
@@ -12330,7 +12278,6 @@
               <a:rPr lang="fr-FR"/>
               <a:t>Kévin PERRY / Ugo BLANQUET / Guillaume BELLEVAL</a:t>
             </a:r>
-            <a:endParaRPr lang="fr-FR"/>
           </a:p>
         </p:txBody>
       </p:sp>
@@ -12411,7 +12358,6 @@
               <a:rPr lang="fr-FR"/>
               <a:t>Modifiez le style du titre</a:t>
             </a:r>
-            <a:endParaRPr lang="fr-FR"/>
           </a:p>
         </p:txBody>
       </p:sp>
@@ -12468,7 +12414,6 @@
               <a:rPr lang="fr-FR"/>
               <a:t>Cinquième niveau</a:t>
             </a:r>
-            <a:endParaRPr lang="fr-FR"/>
           </a:p>
         </p:txBody>
       </p:sp>
@@ -12489,7 +12434,7 @@
           <a:p>
             <a:fld id="{6CFB3EE5-5AFD-4246-80CD-835596C701DA}" type="datetime1">
               <a:rPr lang="en-US" smtClean="0"/>
-              <a:t>6/23/2016</a:t>
+              <a:t>6/24/2016</a:t>
             </a:fld>
             <a:endParaRPr lang="fr-FR"/>
           </a:p>
@@ -12514,7 +12459,6 @@
               <a:rPr lang="fr-FR"/>
               <a:t>Kévin PERRY / Ugo BLANQUET / Guillaume BELLEVAL</a:t>
             </a:r>
-            <a:endParaRPr lang="fr-FR"/>
           </a:p>
         </p:txBody>
       </p:sp>
@@ -12790,7 +12734,7 @@
           <a:p>
             <a:fld id="{D6C3937D-3AEE-4E2C-AF26-8C02D9E5323C}" type="datetime1">
               <a:rPr lang="en-US" smtClean="0"/>
-              <a:t>6/23/2016</a:t>
+              <a:t>6/24/2016</a:t>
             </a:fld>
             <a:endParaRPr lang="en-US" dirty="0"/>
           </a:p>
@@ -13232,7 +13176,7 @@
           <a:p>
             <a:fld id="{B1538A3C-B601-4DD1-91B8-6382638A072E}" type="datetime1">
               <a:rPr lang="en-US" smtClean="0"/>
-              <a:t>6/23/2016</a:t>
+              <a:t>6/24/2016</a:t>
             </a:fld>
             <a:endParaRPr lang="en-US" dirty="0"/>
           </a:p>
@@ -13350,7 +13294,7 @@
           <a:p>
             <a:fld id="{F9E2DA67-9903-4DF7-B8B9-F281F47CC58B}" type="datetime1">
               <a:rPr lang="en-US" smtClean="0"/>
-              <a:t>6/23/2016</a:t>
+              <a:t>6/24/2016</a:t>
             </a:fld>
             <a:endParaRPr lang="en-US" dirty="0"/>
           </a:p>
@@ -13445,7 +13389,7 @@
           <a:p>
             <a:fld id="{9AF46058-B633-42C9-8E7D-47691806F871}" type="datetime1">
               <a:rPr lang="en-US" smtClean="0"/>
-              <a:t>6/23/2016</a:t>
+              <a:t>6/24/2016</a:t>
             </a:fld>
             <a:endParaRPr lang="en-US" dirty="0"/>
           </a:p>
@@ -13728,7 +13672,7 @@
           <a:p>
             <a:fld id="{094E75A6-D955-4197-BE8E-12D4914D62D7}" type="datetime1">
               <a:rPr lang="en-US" smtClean="0"/>
-              <a:t>6/23/2016</a:t>
+              <a:t>6/24/2016</a:t>
             </a:fld>
             <a:endParaRPr lang="en-US" dirty="0"/>
           </a:p>
@@ -14019,7 +13963,7 @@
           <a:p>
             <a:fld id="{D2594A9B-9519-456A-8E0F-0EB4A264C007}" type="datetime1">
               <a:rPr lang="en-US" smtClean="0"/>
-              <a:t>6/23/2016</a:t>
+              <a:t>6/24/2016</a:t>
             </a:fld>
             <a:endParaRPr lang="en-US" dirty="0"/>
           </a:p>
@@ -14549,7 +14493,7 @@
           <a:p>
             <a:fld id="{7DBE11DD-9325-455F-908E-77C0F7D28C25}" type="datetime1">
               <a:rPr lang="en-US" smtClean="0"/>
-              <a:t>6/23/2016</a:t>
+              <a:t>6/24/2016</a:t>
             </a:fld>
             <a:endParaRPr lang="en-US" dirty="0"/>
           </a:p>
@@ -15118,7 +15062,6 @@
               <a:rPr lang="fr-FR"/>
               <a:t>Modifiez le style du titre</a:t>
             </a:r>
-            <a:endParaRPr lang="fr-FR"/>
           </a:p>
         </p:txBody>
       </p:sp>
@@ -15180,7 +15123,6 @@
               <a:rPr lang="fr-FR"/>
               <a:t>Cinquième niveau</a:t>
             </a:r>
-            <a:endParaRPr lang="fr-FR"/>
           </a:p>
         </p:txBody>
       </p:sp>
@@ -15219,7 +15161,7 @@
           <a:p>
             <a:fld id="{308644F1-D197-41E4-940A-08B52BA41B67}" type="datetime1">
               <a:rPr lang="en-US" smtClean="0"/>
-              <a:t>6/23/2016</a:t>
+              <a:t>6/24/2016</a:t>
             </a:fld>
             <a:endParaRPr lang="fr-FR"/>
           </a:p>
@@ -15262,7 +15204,6 @@
               <a:rPr lang="fr-FR"/>
               <a:t>Kévin PERRY / Ugo BLANQUET / Guillaume BELLEVAL</a:t>
             </a:r>
-            <a:endParaRPr lang="fr-FR"/>
           </a:p>
         </p:txBody>
       </p:sp>
@@ -15663,7 +15604,6 @@
               <a:rPr lang="fr-FR"/>
               <a:t>Modifiez le style du titre</a:t>
             </a:r>
-            <a:endParaRPr lang="fr-FR"/>
           </a:p>
         </p:txBody>
       </p:sp>
@@ -15725,7 +15665,6 @@
               <a:rPr lang="fr-FR"/>
               <a:t>Cinquième niveau</a:t>
             </a:r>
-            <a:endParaRPr lang="fr-FR"/>
           </a:p>
         </p:txBody>
       </p:sp>
@@ -15764,7 +15703,7 @@
           <a:p>
             <a:fld id="{FB57C97E-1D0E-4D5B-B856-BB7C14C938AA}" type="datetime1">
               <a:rPr lang="en-US" smtClean="0"/>
-              <a:t>6/23/2016</a:t>
+              <a:t>6/24/2016</a:t>
             </a:fld>
             <a:endParaRPr lang="fr-FR"/>
           </a:p>
@@ -15807,7 +15746,6 @@
               <a:rPr lang="fr-FR"/>
               <a:t>Kévin PERRY / Ugo BLANQUET / Guillaume BELLEVAL</a:t>
             </a:r>
-            <a:endParaRPr lang="fr-FR"/>
           </a:p>
         </p:txBody>
       </p:sp>
@@ -16768,7 +16706,22 @@
           <a:bodyPr/>
           <a:lstStyle/>
           <a:p>
-            <a:endParaRPr lang="fr-FR" dirty="0"/>
+            <a:r>
+              <a:rPr lang="fr-FR" dirty="0"/>
+              <a:t>Test des composants</a:t>
+            </a:r>
+          </a:p>
+          <a:p>
+            <a:r>
+              <a:rPr lang="fr-FR" dirty="0"/>
+              <a:t>Installation des composants</a:t>
+            </a:r>
+          </a:p>
+          <a:p>
+            <a:r>
+              <a:rPr lang="fr-FR" dirty="0"/>
+              <a:t>Récupération des données</a:t>
+            </a:r>
           </a:p>
         </p:txBody>
       </p:sp>
@@ -16905,7 +16858,16 @@
           <a:bodyPr/>
           <a:lstStyle/>
           <a:p>
-            <a:endParaRPr lang="fr-FR" dirty="0"/>
+            <a:r>
+              <a:rPr lang="fr-FR" dirty="0"/>
+              <a:t>Création d’un compresseur</a:t>
+            </a:r>
+          </a:p>
+          <a:p>
+            <a:r>
+              <a:rPr lang="fr-FR" dirty="0"/>
+              <a:t>Création de l’application de visualisation</a:t>
+            </a:r>
           </a:p>
         </p:txBody>
       </p:sp>
@@ -17035,7 +16997,32 @@
           <a:bodyPr/>
           <a:lstStyle/>
           <a:p>
-            <a:endParaRPr lang="fr-FR"/>
+            <a:r>
+              <a:rPr lang="fr-FR" dirty="0"/>
+              <a:t>Mise en place d’une base de données </a:t>
+            </a:r>
+            <a:r>
+              <a:rPr lang="fr-FR" dirty="0" err="1"/>
+              <a:t>NoSql</a:t>
+            </a:r>
+            <a:endParaRPr lang="fr-FR" dirty="0"/>
+          </a:p>
+          <a:p>
+            <a:r>
+              <a:rPr lang="fr-FR" dirty="0"/>
+              <a:t>Gestion des erreurs (</a:t>
+            </a:r>
+            <a:r>
+              <a:rPr lang="fr-FR" dirty="0" err="1"/>
+              <a:t>Loadbalancer</a:t>
+            </a:r>
+            <a:r>
+              <a:rPr lang="fr-FR" dirty="0"/>
+              <a:t>)</a:t>
+            </a:r>
+          </a:p>
+          <a:p>
+            <a:endParaRPr lang="fr-FR" dirty="0"/>
           </a:p>
         </p:txBody>
       </p:sp>
@@ -17160,7 +17147,22 @@
           <a:bodyPr/>
           <a:lstStyle/>
           <a:p>
-            <a:endParaRPr lang="fr-FR"/>
+            <a:r>
+              <a:rPr lang="fr-FR" dirty="0"/>
+              <a:t>Chargement des données</a:t>
+            </a:r>
+          </a:p>
+          <a:p>
+            <a:r>
+              <a:rPr lang="fr-FR" dirty="0"/>
+              <a:t>Choix des indicateurs</a:t>
+            </a:r>
+          </a:p>
+          <a:p>
+            <a:r>
+              <a:rPr lang="fr-FR" dirty="0"/>
+              <a:t>Création des rapports</a:t>
+            </a:r>
           </a:p>
         </p:txBody>
       </p:sp>
@@ -17285,7 +17287,28 @@
           <a:bodyPr/>
           <a:lstStyle/>
           <a:p>
-            <a:endParaRPr lang="fr-FR"/>
+            <a:r>
+              <a:rPr lang="fr-FR" dirty="0"/>
+              <a:t>Projet innovant</a:t>
+            </a:r>
+          </a:p>
+          <a:p>
+            <a:r>
+              <a:rPr lang="fr-FR" dirty="0"/>
+              <a:t>Découverte de C++, QT et QML</a:t>
+            </a:r>
+          </a:p>
+          <a:p>
+            <a:r>
+              <a:rPr lang="fr-FR" dirty="0"/>
+              <a:t>Optimisation du code embarqué</a:t>
+            </a:r>
+          </a:p>
+          <a:p>
+            <a:r>
+              <a:rPr lang="fr-FR" dirty="0"/>
+              <a:t>Equipe plaisante et travailleuse</a:t>
+            </a:r>
           </a:p>
         </p:txBody>
       </p:sp>
